--- a/YungchingDemo/document/YungchingDemo.pptx
+++ b/YungchingDemo/document/YungchingDemo.pptx
@@ -14,7 +14,8 @@
     <p:sldId id="261" r:id="rId8"/>
     <p:sldId id="263" r:id="rId9"/>
     <p:sldId id="264" r:id="rId10"/>
-    <p:sldId id="265" r:id="rId11"/>
+    <p:sldId id="266" r:id="rId11"/>
+    <p:sldId id="265" r:id="rId12"/>
   </p:sldIdLst>
   <p:sldSz cx="12192000" cy="6858000"/>
   <p:notesSz cx="6858000" cy="9144000"/>
@@ -113,6 +114,11 @@
       </a:defRPr>
     </a:lvl9pPr>
   </p:defaultTextStyle>
+  <p:extLst>
+    <p:ext uri="{EFAFB233-063F-42B5-8137-9DF3F51BA10A}">
+      <p15:sldGuideLst xmlns:p15="http://schemas.microsoft.com/office/powerpoint/2012/main"/>
+    </p:ext>
+  </p:extLst>
 </p:presentation>
 </file>
 
@@ -3081,6 +3087,660 @@
             <p:ph type="title"/>
           </p:nvPr>
         </p:nvSpPr>
+        <p:spPr/>
+        <p:txBody>
+          <a:bodyPr/>
+          <a:lstStyle/>
+          <a:p>
+            <a:r>
+              <a:rPr lang="zh-TW" altLang="en-US" dirty="0"/>
+              <a:t>資料庫 </a:t>
+            </a:r>
+            <a:r>
+              <a:rPr lang="en-US" altLang="zh-TW" dirty="0"/>
+              <a:t>- </a:t>
+            </a:r>
+            <a:r>
+              <a:rPr lang="en-US" altLang="zh-TW" dirty="0" err="1"/>
+              <a:t>T_DropdownOptions</a:t>
+            </a:r>
+            <a:endParaRPr lang="zh-TW" altLang="en-US" dirty="0"/>
+          </a:p>
+        </p:txBody>
+      </p:sp>
+      <p:graphicFrame>
+        <p:nvGraphicFramePr>
+          <p:cNvPr id="4" name="內容版面配置區 3"/>
+          <p:cNvGraphicFramePr>
+            <a:graphicFrameLocks noGrp="1"/>
+          </p:cNvGraphicFramePr>
+          <p:nvPr>
+            <p:ph idx="1"/>
+            <p:extLst>
+              <p:ext uri="{D42A27DB-BD31-4B8C-83A1-F6EECF244321}">
+                <p14:modId xmlns:p14="http://schemas.microsoft.com/office/powerpoint/2010/main" val="3090593358"/>
+              </p:ext>
+            </p:extLst>
+          </p:nvPr>
+        </p:nvGraphicFramePr>
+        <p:xfrm>
+          <a:off x="838200" y="1825625"/>
+          <a:ext cx="10515603" cy="1854200"/>
+        </p:xfrm>
+        <a:graphic>
+          <a:graphicData uri="http://schemas.openxmlformats.org/drawingml/2006/table">
+            <a:tbl>
+              <a:tblPr firstRow="1" bandRow="1">
+                <a:tableStyleId>{5C22544A-7EE6-4342-B048-85BDC9FD1C3A}</a:tableStyleId>
+              </a:tblPr>
+              <a:tblGrid>
+                <a:gridCol w="810126">
+                  <a:extLst>
+                    <a:ext uri="{9D8B030D-6E8A-4147-A177-3AD203B41FA5}">
+                      <a16:colId xmlns:a16="http://schemas.microsoft.com/office/drawing/2014/main" val="4150874624"/>
+                    </a:ext>
+                  </a:extLst>
+                </a:gridCol>
+                <a:gridCol w="1428506">
+                  <a:extLst>
+                    <a:ext uri="{9D8B030D-6E8A-4147-A177-3AD203B41FA5}">
+                      <a16:colId xmlns:a16="http://schemas.microsoft.com/office/drawing/2014/main" val="147253071"/>
+                    </a:ext>
+                  </a:extLst>
+                </a:gridCol>
+                <a:gridCol w="2268055">
+                  <a:extLst>
+                    <a:ext uri="{9D8B030D-6E8A-4147-A177-3AD203B41FA5}">
+                      <a16:colId xmlns:a16="http://schemas.microsoft.com/office/drawing/2014/main" val="2578975387"/>
+                    </a:ext>
+                  </a:extLst>
+                </a:gridCol>
+                <a:gridCol w="1502229">
+                  <a:extLst>
+                    <a:ext uri="{9D8B030D-6E8A-4147-A177-3AD203B41FA5}">
+                      <a16:colId xmlns:a16="http://schemas.microsoft.com/office/drawing/2014/main" val="1192377901"/>
+                    </a:ext>
+                  </a:extLst>
+                </a:gridCol>
+                <a:gridCol w="1502229">
+                  <a:extLst>
+                    <a:ext uri="{9D8B030D-6E8A-4147-A177-3AD203B41FA5}">
+                      <a16:colId xmlns:a16="http://schemas.microsoft.com/office/drawing/2014/main" val="1305525269"/>
+                    </a:ext>
+                  </a:extLst>
+                </a:gridCol>
+                <a:gridCol w="1502229">
+                  <a:extLst>
+                    <a:ext uri="{9D8B030D-6E8A-4147-A177-3AD203B41FA5}">
+                      <a16:colId xmlns:a16="http://schemas.microsoft.com/office/drawing/2014/main" val="2400863357"/>
+                    </a:ext>
+                  </a:extLst>
+                </a:gridCol>
+                <a:gridCol w="1502229">
+                  <a:extLst>
+                    <a:ext uri="{9D8B030D-6E8A-4147-A177-3AD203B41FA5}">
+                      <a16:colId xmlns:a16="http://schemas.microsoft.com/office/drawing/2014/main" val="19910843"/>
+                    </a:ext>
+                  </a:extLst>
+                </a:gridCol>
+              </a:tblGrid>
+              <a:tr h="370840">
+                <a:tc>
+                  <a:txBody>
+                    <a:bodyPr/>
+                    <a:lstStyle/>
+                    <a:p>
+                      <a:r>
+                        <a:rPr lang="en-US" altLang="zh-TW" dirty="0" smtClean="0"/>
+                        <a:t>KEY</a:t>
+                      </a:r>
+                      <a:endParaRPr lang="zh-TW" altLang="en-US" dirty="0"/>
+                    </a:p>
+                  </a:txBody>
+                  <a:tcPr/>
+                </a:tc>
+                <a:tc>
+                  <a:txBody>
+                    <a:bodyPr/>
+                    <a:lstStyle/>
+                    <a:p>
+                      <a:r>
+                        <a:rPr lang="zh-TW" altLang="en-US" dirty="0" smtClean="0"/>
+                        <a:t>欄位名稱</a:t>
+                      </a:r>
+                      <a:endParaRPr lang="zh-TW" altLang="en-US" dirty="0"/>
+                    </a:p>
+                  </a:txBody>
+                  <a:tcPr/>
+                </a:tc>
+                <a:tc>
+                  <a:txBody>
+                    <a:bodyPr/>
+                    <a:lstStyle/>
+                    <a:p>
+                      <a:r>
+                        <a:rPr lang="zh-TW" altLang="en-US" dirty="0" smtClean="0"/>
+                        <a:t>欄位敘述</a:t>
+                      </a:r>
+                      <a:endParaRPr lang="zh-TW" altLang="en-US" dirty="0"/>
+                    </a:p>
+                  </a:txBody>
+                  <a:tcPr/>
+                </a:tc>
+                <a:tc>
+                  <a:txBody>
+                    <a:bodyPr/>
+                    <a:lstStyle/>
+                    <a:p>
+                      <a:r>
+                        <a:rPr lang="zh-TW" altLang="en-US" dirty="0" smtClean="0"/>
+                        <a:t>資料型態</a:t>
+                      </a:r>
+                      <a:endParaRPr lang="zh-TW" altLang="en-US" dirty="0"/>
+                    </a:p>
+                  </a:txBody>
+                  <a:tcPr/>
+                </a:tc>
+                <a:tc>
+                  <a:txBody>
+                    <a:bodyPr/>
+                    <a:lstStyle/>
+                    <a:p>
+                      <a:r>
+                        <a:rPr lang="zh-TW" altLang="en-US" dirty="0" smtClean="0"/>
+                        <a:t>允許</a:t>
+                      </a:r>
+                      <a:r>
+                        <a:rPr lang="en-US" altLang="zh-TW" dirty="0" smtClean="0"/>
+                        <a:t>NULL</a:t>
+                      </a:r>
+                      <a:endParaRPr lang="zh-TW" altLang="en-US" dirty="0"/>
+                    </a:p>
+                  </a:txBody>
+                  <a:tcPr/>
+                </a:tc>
+                <a:tc>
+                  <a:txBody>
+                    <a:bodyPr/>
+                    <a:lstStyle/>
+                    <a:p>
+                      <a:r>
+                        <a:rPr lang="zh-TW" altLang="en-US" dirty="0" smtClean="0"/>
+                        <a:t>預設值</a:t>
+                      </a:r>
+                      <a:endParaRPr lang="zh-TW" altLang="en-US" dirty="0"/>
+                    </a:p>
+                  </a:txBody>
+                  <a:tcPr/>
+                </a:tc>
+                <a:tc>
+                  <a:txBody>
+                    <a:bodyPr/>
+                    <a:lstStyle/>
+                    <a:p>
+                      <a:r>
+                        <a:rPr lang="zh-TW" altLang="en-US" dirty="0" smtClean="0"/>
+                        <a:t>備註</a:t>
+                      </a:r>
+                      <a:endParaRPr lang="zh-TW" altLang="en-US" dirty="0"/>
+                    </a:p>
+                  </a:txBody>
+                  <a:tcPr/>
+                </a:tc>
+                <a:extLst>
+                  <a:ext uri="{0D108BD9-81ED-4DB2-BD59-A6C34878D82A}">
+                    <a16:rowId xmlns:a16="http://schemas.microsoft.com/office/drawing/2014/main" val="3526013507"/>
+                  </a:ext>
+                </a:extLst>
+              </a:tr>
+              <a:tr h="370840">
+                <a:tc>
+                  <a:txBody>
+                    <a:bodyPr/>
+                    <a:lstStyle/>
+                    <a:p>
+                      <a:r>
+                        <a:rPr lang="en-US" altLang="zh-TW" dirty="0" smtClean="0"/>
+                        <a:t>PK1</a:t>
+                      </a:r>
+                      <a:endParaRPr lang="zh-TW" altLang="en-US" dirty="0"/>
+                    </a:p>
+                  </a:txBody>
+                  <a:tcPr/>
+                </a:tc>
+                <a:tc>
+                  <a:txBody>
+                    <a:bodyPr/>
+                    <a:lstStyle/>
+                    <a:p>
+                      <a:r>
+                        <a:rPr lang="en-US" altLang="zh-TW" sz="1800" kern="1200" dirty="0" smtClean="0">
+                          <a:solidFill>
+                            <a:schemeClr val="dk1"/>
+                          </a:solidFill>
+                          <a:latin typeface="+mn-lt"/>
+                          <a:ea typeface="+mn-ea"/>
+                          <a:cs typeface="+mn-cs"/>
+                        </a:rPr>
+                        <a:t>Unicode</a:t>
+                      </a:r>
+                      <a:endParaRPr lang="zh-TW" altLang="en-US" dirty="0"/>
+                    </a:p>
+                  </a:txBody>
+                  <a:tcPr/>
+                </a:tc>
+                <a:tc>
+                  <a:txBody>
+                    <a:bodyPr/>
+                    <a:lstStyle/>
+                    <a:p>
+                      <a:r>
+                        <a:rPr lang="zh-TW" altLang="en-US" dirty="0" smtClean="0"/>
+                        <a:t>唯一辨識碼</a:t>
+                      </a:r>
+                      <a:endParaRPr lang="zh-TW" altLang="en-US" dirty="0"/>
+                    </a:p>
+                  </a:txBody>
+                  <a:tcPr/>
+                </a:tc>
+                <a:tc>
+                  <a:txBody>
+                    <a:bodyPr/>
+                    <a:lstStyle/>
+                    <a:p>
+                      <a:r>
+                        <a:rPr lang="en-US" altLang="zh-TW" dirty="0" err="1" smtClean="0"/>
+                        <a:t>nvarchar</a:t>
+                      </a:r>
+                      <a:r>
+                        <a:rPr lang="en-US" altLang="zh-TW" dirty="0" smtClean="0"/>
+                        <a:t>(50)</a:t>
+                      </a:r>
+                      <a:endParaRPr lang="zh-TW" altLang="en-US" dirty="0"/>
+                    </a:p>
+                  </a:txBody>
+                  <a:tcPr/>
+                </a:tc>
+                <a:tc>
+                  <a:txBody>
+                    <a:bodyPr/>
+                    <a:lstStyle/>
+                    <a:p>
+                      <a:endParaRPr lang="zh-TW" altLang="en-US"/>
+                    </a:p>
+                  </a:txBody>
+                  <a:tcPr/>
+                </a:tc>
+                <a:tc>
+                  <a:txBody>
+                    <a:bodyPr/>
+                    <a:lstStyle/>
+                    <a:p>
+                      <a:endParaRPr lang="zh-TW" altLang="en-US"/>
+                    </a:p>
+                  </a:txBody>
+                  <a:tcPr/>
+                </a:tc>
+                <a:tc>
+                  <a:txBody>
+                    <a:bodyPr/>
+                    <a:lstStyle/>
+                    <a:p>
+                      <a:endParaRPr lang="zh-TW" altLang="en-US"/>
+                    </a:p>
+                  </a:txBody>
+                  <a:tcPr/>
+                </a:tc>
+                <a:extLst>
+                  <a:ext uri="{0D108BD9-81ED-4DB2-BD59-A6C34878D82A}">
+                    <a16:rowId xmlns:a16="http://schemas.microsoft.com/office/drawing/2014/main" val="3537310984"/>
+                  </a:ext>
+                </a:extLst>
+              </a:tr>
+              <a:tr h="370840">
+                <a:tc>
+                  <a:txBody>
+                    <a:bodyPr/>
+                    <a:lstStyle/>
+                    <a:p>
+                      <a:endParaRPr lang="zh-TW" altLang="en-US"/>
+                    </a:p>
+                  </a:txBody>
+                  <a:tcPr/>
+                </a:tc>
+                <a:tc>
+                  <a:txBody>
+                    <a:bodyPr/>
+                    <a:lstStyle/>
+                    <a:p>
+                      <a:r>
+                        <a:rPr lang="en-US" altLang="zh-TW" sz="1800" kern="1200" dirty="0" err="1" smtClean="0">
+                          <a:solidFill>
+                            <a:schemeClr val="dk1"/>
+                          </a:solidFill>
+                          <a:latin typeface="+mn-lt"/>
+                          <a:ea typeface="+mn-ea"/>
+                          <a:cs typeface="+mn-cs"/>
+                        </a:rPr>
+                        <a:t>GroupName</a:t>
+                      </a:r>
+                      <a:endParaRPr lang="zh-TW" altLang="en-US" dirty="0"/>
+                    </a:p>
+                  </a:txBody>
+                  <a:tcPr/>
+                </a:tc>
+                <a:tc>
+                  <a:txBody>
+                    <a:bodyPr/>
+                    <a:lstStyle/>
+                    <a:p>
+                      <a:r>
+                        <a:rPr lang="zh-TW" altLang="en-US" dirty="0" smtClean="0"/>
+                        <a:t>下拉選單群組名稱</a:t>
+                      </a:r>
+                      <a:endParaRPr lang="zh-TW" altLang="en-US" dirty="0"/>
+                    </a:p>
+                  </a:txBody>
+                  <a:tcPr/>
+                </a:tc>
+                <a:tc>
+                  <a:txBody>
+                    <a:bodyPr/>
+                    <a:lstStyle/>
+                    <a:p>
+                      <a:r>
+                        <a:rPr lang="en-US" altLang="zh-TW" dirty="0" err="1" smtClean="0"/>
+                        <a:t>nvarchar</a:t>
+                      </a:r>
+                      <a:r>
+                        <a:rPr lang="en-US" altLang="zh-TW" dirty="0" smtClean="0"/>
+                        <a:t>(50)</a:t>
+                      </a:r>
+                      <a:endParaRPr lang="zh-TW" altLang="en-US" dirty="0"/>
+                    </a:p>
+                  </a:txBody>
+                  <a:tcPr/>
+                </a:tc>
+                <a:tc>
+                  <a:txBody>
+                    <a:bodyPr/>
+                    <a:lstStyle/>
+                    <a:p>
+                      <a:endParaRPr lang="zh-TW" altLang="en-US"/>
+                    </a:p>
+                  </a:txBody>
+                  <a:tcPr/>
+                </a:tc>
+                <a:tc>
+                  <a:txBody>
+                    <a:bodyPr/>
+                    <a:lstStyle/>
+                    <a:p>
+                      <a:endParaRPr lang="zh-TW" altLang="en-US"/>
+                    </a:p>
+                  </a:txBody>
+                  <a:tcPr/>
+                </a:tc>
+                <a:tc>
+                  <a:txBody>
+                    <a:bodyPr/>
+                    <a:lstStyle/>
+                    <a:p>
+                      <a:endParaRPr lang="zh-TW" altLang="en-US"/>
+                    </a:p>
+                  </a:txBody>
+                  <a:tcPr/>
+                </a:tc>
+                <a:extLst>
+                  <a:ext uri="{0D108BD9-81ED-4DB2-BD59-A6C34878D82A}">
+                    <a16:rowId xmlns:a16="http://schemas.microsoft.com/office/drawing/2014/main" val="2763664929"/>
+                  </a:ext>
+                </a:extLst>
+              </a:tr>
+              <a:tr h="370840">
+                <a:tc>
+                  <a:txBody>
+                    <a:bodyPr/>
+                    <a:lstStyle/>
+                    <a:p>
+                      <a:endParaRPr lang="zh-TW" altLang="en-US"/>
+                    </a:p>
+                  </a:txBody>
+                  <a:tcPr/>
+                </a:tc>
+                <a:tc>
+                  <a:txBody>
+                    <a:bodyPr/>
+                    <a:lstStyle/>
+                    <a:p>
+                      <a:r>
+                        <a:rPr lang="en-US" altLang="zh-TW" sz="1800" kern="1200" dirty="0" err="1" smtClean="0">
+                          <a:solidFill>
+                            <a:schemeClr val="dk1"/>
+                          </a:solidFill>
+                          <a:latin typeface="+mn-lt"/>
+                          <a:ea typeface="+mn-ea"/>
+                          <a:cs typeface="+mn-cs"/>
+                        </a:rPr>
+                        <a:t>OptionCode</a:t>
+                      </a:r>
+                      <a:endParaRPr lang="zh-TW" altLang="en-US" dirty="0"/>
+                    </a:p>
+                  </a:txBody>
+                  <a:tcPr/>
+                </a:tc>
+                <a:tc>
+                  <a:txBody>
+                    <a:bodyPr/>
+                    <a:lstStyle/>
+                    <a:p>
+                      <a:r>
+                        <a:rPr lang="zh-TW" altLang="en-US" dirty="0" smtClean="0"/>
+                        <a:t>選項代號</a:t>
+                      </a:r>
+                      <a:endParaRPr lang="zh-TW" altLang="en-US" dirty="0"/>
+                    </a:p>
+                  </a:txBody>
+                  <a:tcPr/>
+                </a:tc>
+                <a:tc>
+                  <a:txBody>
+                    <a:bodyPr/>
+                    <a:lstStyle/>
+                    <a:p>
+                      <a:r>
+                        <a:rPr lang="en-US" altLang="zh-TW" dirty="0" err="1" smtClean="0"/>
+                        <a:t>nvarchar</a:t>
+                      </a:r>
+                      <a:r>
+                        <a:rPr lang="en-US" altLang="zh-TW" dirty="0" smtClean="0"/>
+                        <a:t>(10)</a:t>
+                      </a:r>
+                      <a:endParaRPr lang="zh-TW" altLang="en-US" dirty="0"/>
+                    </a:p>
+                  </a:txBody>
+                  <a:tcPr/>
+                </a:tc>
+                <a:tc>
+                  <a:txBody>
+                    <a:bodyPr/>
+                    <a:lstStyle/>
+                    <a:p>
+                      <a:endParaRPr lang="zh-TW" altLang="en-US"/>
+                    </a:p>
+                  </a:txBody>
+                  <a:tcPr/>
+                </a:tc>
+                <a:tc>
+                  <a:txBody>
+                    <a:bodyPr/>
+                    <a:lstStyle/>
+                    <a:p>
+                      <a:endParaRPr lang="zh-TW" altLang="en-US"/>
+                    </a:p>
+                  </a:txBody>
+                  <a:tcPr/>
+                </a:tc>
+                <a:tc>
+                  <a:txBody>
+                    <a:bodyPr/>
+                    <a:lstStyle/>
+                    <a:p>
+                      <a:endParaRPr lang="zh-TW" altLang="en-US"/>
+                    </a:p>
+                  </a:txBody>
+                  <a:tcPr/>
+                </a:tc>
+                <a:extLst>
+                  <a:ext uri="{0D108BD9-81ED-4DB2-BD59-A6C34878D82A}">
+                    <a16:rowId xmlns:a16="http://schemas.microsoft.com/office/drawing/2014/main" val="3213073442"/>
+                  </a:ext>
+                </a:extLst>
+              </a:tr>
+              <a:tr h="370840">
+                <a:tc>
+                  <a:txBody>
+                    <a:bodyPr/>
+                    <a:lstStyle/>
+                    <a:p>
+                      <a:endParaRPr lang="zh-TW" altLang="en-US"/>
+                    </a:p>
+                  </a:txBody>
+                  <a:tcPr/>
+                </a:tc>
+                <a:tc>
+                  <a:txBody>
+                    <a:bodyPr/>
+                    <a:lstStyle/>
+                    <a:p>
+                      <a:r>
+                        <a:rPr lang="en-US" altLang="zh-TW" sz="1800" kern="1200" dirty="0" err="1" smtClean="0">
+                          <a:solidFill>
+                            <a:schemeClr val="dk1"/>
+                          </a:solidFill>
+                          <a:latin typeface="+mn-lt"/>
+                          <a:ea typeface="+mn-ea"/>
+                          <a:cs typeface="+mn-cs"/>
+                        </a:rPr>
+                        <a:t>OptionName</a:t>
+                      </a:r>
+                      <a:endParaRPr lang="zh-TW" altLang="en-US" dirty="0"/>
+                    </a:p>
+                  </a:txBody>
+                  <a:tcPr/>
+                </a:tc>
+                <a:tc>
+                  <a:txBody>
+                    <a:bodyPr/>
+                    <a:lstStyle/>
+                    <a:p>
+                      <a:r>
+                        <a:rPr lang="zh-TW" altLang="en-US" dirty="0" smtClean="0"/>
+                        <a:t>選項名稱</a:t>
+                      </a:r>
+                      <a:endParaRPr lang="zh-TW" altLang="en-US" dirty="0"/>
+                    </a:p>
+                  </a:txBody>
+                  <a:tcPr/>
+                </a:tc>
+                <a:tc>
+                  <a:txBody>
+                    <a:bodyPr/>
+                    <a:lstStyle/>
+                    <a:p>
+                      <a:r>
+                        <a:rPr lang="en-US" altLang="zh-TW" dirty="0" err="1" smtClean="0"/>
+                        <a:t>nvarchar</a:t>
+                      </a:r>
+                      <a:r>
+                        <a:rPr lang="en-US" altLang="zh-TW" dirty="0" smtClean="0"/>
+                        <a:t>(50)</a:t>
+                      </a:r>
+                      <a:endParaRPr lang="zh-TW" altLang="en-US" dirty="0"/>
+                    </a:p>
+                  </a:txBody>
+                  <a:tcPr/>
+                </a:tc>
+                <a:tc>
+                  <a:txBody>
+                    <a:bodyPr/>
+                    <a:lstStyle/>
+                    <a:p>
+                      <a:endParaRPr lang="zh-TW" altLang="en-US"/>
+                    </a:p>
+                  </a:txBody>
+                  <a:tcPr/>
+                </a:tc>
+                <a:tc>
+                  <a:txBody>
+                    <a:bodyPr/>
+                    <a:lstStyle/>
+                    <a:p>
+                      <a:endParaRPr lang="zh-TW" altLang="en-US"/>
+                    </a:p>
+                  </a:txBody>
+                  <a:tcPr/>
+                </a:tc>
+                <a:tc>
+                  <a:txBody>
+                    <a:bodyPr/>
+                    <a:lstStyle/>
+                    <a:p>
+                      <a:endParaRPr lang="zh-TW" altLang="en-US" dirty="0"/>
+                    </a:p>
+                  </a:txBody>
+                  <a:tcPr/>
+                </a:tc>
+                <a:extLst>
+                  <a:ext uri="{0D108BD9-81ED-4DB2-BD59-A6C34878D82A}">
+                    <a16:rowId xmlns:a16="http://schemas.microsoft.com/office/drawing/2014/main" val="3588799477"/>
+                  </a:ext>
+                </a:extLst>
+              </a:tr>
+            </a:tbl>
+          </a:graphicData>
+        </a:graphic>
+      </p:graphicFrame>
+    </p:spTree>
+    <p:extLst>
+      <p:ext uri="{BB962C8B-B14F-4D97-AF65-F5344CB8AC3E}">
+        <p14:creationId xmlns:p14="http://schemas.microsoft.com/office/powerpoint/2010/main" val="1374098939"/>
+      </p:ext>
+    </p:extLst>
+  </p:cSld>
+  <p:clrMapOvr>
+    <a:masterClrMapping/>
+  </p:clrMapOvr>
+</p:sld>
+</file>
+
+<file path=ppt/slides/slide11.xml><?xml version="1.0" encoding="utf-8"?>
+<p:sld xmlns:a="http://schemas.openxmlformats.org/drawingml/2006/main" xmlns:r="http://schemas.openxmlformats.org/officeDocument/2006/relationships" xmlns:p="http://schemas.openxmlformats.org/presentationml/2006/main">
+  <p:cSld>
+    <p:spTree>
+      <p:nvGrpSpPr>
+        <p:cNvPr id="1" name=""/>
+        <p:cNvGrpSpPr/>
+        <p:nvPr/>
+      </p:nvGrpSpPr>
+      <p:grpSpPr>
+        <a:xfrm>
+          <a:off x="0" y="0"/>
+          <a:ext cx="0" cy="0"/>
+          <a:chOff x="0" y="0"/>
+          <a:chExt cx="0" cy="0"/>
+        </a:xfrm>
+      </p:grpSpPr>
+      <p:sp>
+        <p:nvSpPr>
+          <p:cNvPr id="2" name="標題 1"/>
+          <p:cNvSpPr>
+            <a:spLocks noGrp="1"/>
+          </p:cNvSpPr>
+          <p:nvPr>
+            <p:ph type="title"/>
+          </p:nvPr>
+        </p:nvSpPr>
         <p:spPr>
           <a:xfrm>
             <a:off x="1211179" y="2873710"/>
@@ -3320,11 +3980,7 @@
           <a:p>
             <a:r>
               <a:rPr lang="zh-TW" altLang="en-US" dirty="0" smtClean="0"/>
-              <a:t>畫面介紹</a:t>
-            </a:r>
-            <a:r>
-              <a:rPr lang="zh-TW" altLang="en-US" dirty="0" smtClean="0"/>
-              <a:t>（</a:t>
+              <a:t>畫面介紹（</a:t>
             </a:r>
             <a:r>
               <a:rPr lang="en-US" altLang="zh-TW" dirty="0" smtClean="0"/>
@@ -3442,11 +4098,7 @@
           <a:p>
             <a:r>
               <a:rPr lang="zh-TW" altLang="en-US" dirty="0" smtClean="0"/>
-              <a:t>畫面介紹</a:t>
-            </a:r>
-            <a:r>
-              <a:rPr lang="zh-TW" altLang="en-US" dirty="0" smtClean="0"/>
-              <a:t>（</a:t>
+              <a:t>畫面介紹（</a:t>
             </a:r>
             <a:r>
               <a:rPr lang="en-US" altLang="zh-TW" dirty="0" smtClean="0"/>
@@ -3564,11 +4216,7 @@
           <a:p>
             <a:r>
               <a:rPr lang="zh-TW" altLang="en-US" dirty="0" smtClean="0"/>
-              <a:t>畫面介紹</a:t>
-            </a:r>
-            <a:r>
-              <a:rPr lang="zh-TW" altLang="en-US" dirty="0" smtClean="0"/>
-              <a:t>（</a:t>
+              <a:t>畫面介紹（</a:t>
             </a:r>
             <a:r>
               <a:rPr lang="en-US" altLang="zh-TW" dirty="0" smtClean="0"/>
@@ -3686,11 +4334,7 @@
           <a:p>
             <a:r>
               <a:rPr lang="zh-TW" altLang="en-US" dirty="0" smtClean="0"/>
-              <a:t>功能介紹</a:t>
-            </a:r>
-            <a:r>
-              <a:rPr lang="zh-TW" altLang="en-US" dirty="0" smtClean="0"/>
-              <a:t>（</a:t>
+              <a:t>功能介紹（</a:t>
             </a:r>
             <a:r>
               <a:rPr lang="en-US" altLang="zh-TW" dirty="0"/>
@@ -4064,11 +4708,7 @@
             </a:r>
             <a:r>
               <a:rPr lang="zh-TW" altLang="en-US" dirty="0" smtClean="0"/>
-              <a:t>介紹</a:t>
-            </a:r>
-            <a:r>
-              <a:rPr lang="zh-TW" altLang="en-US" dirty="0" smtClean="0"/>
-              <a:t>（</a:t>
+              <a:t>介紹（</a:t>
             </a:r>
             <a:r>
               <a:rPr lang="en-US" altLang="zh-TW" dirty="0" smtClean="0"/>
@@ -4672,11 +5312,7 @@
             </a:r>
             <a:r>
               <a:rPr lang="zh-TW" altLang="en-US" dirty="0" smtClean="0"/>
-              <a:t>介紹</a:t>
-            </a:r>
-            <a:r>
-              <a:rPr lang="zh-TW" altLang="en-US" dirty="0" smtClean="0"/>
-              <a:t>（</a:t>
+              <a:t>介紹（</a:t>
             </a:r>
             <a:r>
               <a:rPr lang="en-US" altLang="zh-TW" dirty="0"/>
